--- a/MulticastBasedResourceSynchronization.pptx
+++ b/MulticastBasedResourceSynchronization.pptx
@@ -239,7 +239,7 @@
           <a:p>
             <a:fld id="{B7E8217D-4AA7-404D-99D3-B61EB9FE4648}" type="datetimeFigureOut">
               <a:rPr lang="en-DE" smtClean="0"/>
-              <a:t>05/08/2020</a:t>
+              <a:t>06/08/2020</a:t>
             </a:fld>
             <a:endParaRPr lang="en-DE"/>
           </a:p>
@@ -2887,7 +2887,7 @@
           <a:p>
             <a:fld id="{CBC09B0A-95AC-4D51-824E-FF28FB884E33}" type="datetimeFigureOut">
               <a:rPr lang="en-DE" smtClean="0"/>
-              <a:t>05/08/2020</a:t>
+              <a:t>06/08/2020</a:t>
             </a:fld>
             <a:endParaRPr lang="en-DE"/>
           </a:p>
@@ -3087,7 +3087,7 @@
           <a:p>
             <a:fld id="{CBC09B0A-95AC-4D51-824E-FF28FB884E33}" type="datetimeFigureOut">
               <a:rPr lang="en-DE" smtClean="0"/>
-              <a:t>05/08/2020</a:t>
+              <a:t>06/08/2020</a:t>
             </a:fld>
             <a:endParaRPr lang="en-DE"/>
           </a:p>
@@ -3297,7 +3297,7 @@
           <a:p>
             <a:fld id="{CBC09B0A-95AC-4D51-824E-FF28FB884E33}" type="datetimeFigureOut">
               <a:rPr lang="en-DE" smtClean="0"/>
-              <a:t>05/08/2020</a:t>
+              <a:t>06/08/2020</a:t>
             </a:fld>
             <a:endParaRPr lang="en-DE"/>
           </a:p>
@@ -3497,7 +3497,7 @@
           <a:p>
             <a:fld id="{CBC09B0A-95AC-4D51-824E-FF28FB884E33}" type="datetimeFigureOut">
               <a:rPr lang="en-DE" smtClean="0"/>
-              <a:t>05/08/2020</a:t>
+              <a:t>06/08/2020</a:t>
             </a:fld>
             <a:endParaRPr lang="en-DE"/>
           </a:p>
@@ -3773,7 +3773,7 @@
           <a:p>
             <a:fld id="{CBC09B0A-95AC-4D51-824E-FF28FB884E33}" type="datetimeFigureOut">
               <a:rPr lang="en-DE" smtClean="0"/>
-              <a:t>05/08/2020</a:t>
+              <a:t>06/08/2020</a:t>
             </a:fld>
             <a:endParaRPr lang="en-DE"/>
           </a:p>
@@ -4041,7 +4041,7 @@
           <a:p>
             <a:fld id="{CBC09B0A-95AC-4D51-824E-FF28FB884E33}" type="datetimeFigureOut">
               <a:rPr lang="en-DE" smtClean="0"/>
-              <a:t>05/08/2020</a:t>
+              <a:t>06/08/2020</a:t>
             </a:fld>
             <a:endParaRPr lang="en-DE"/>
           </a:p>
@@ -4456,7 +4456,7 @@
           <a:p>
             <a:fld id="{CBC09B0A-95AC-4D51-824E-FF28FB884E33}" type="datetimeFigureOut">
               <a:rPr lang="en-DE" smtClean="0"/>
-              <a:t>05/08/2020</a:t>
+              <a:t>06/08/2020</a:t>
             </a:fld>
             <a:endParaRPr lang="en-DE"/>
           </a:p>
@@ -4598,7 +4598,7 @@
           <a:p>
             <a:fld id="{CBC09B0A-95AC-4D51-824E-FF28FB884E33}" type="datetimeFigureOut">
               <a:rPr lang="en-DE" smtClean="0"/>
-              <a:t>05/08/2020</a:t>
+              <a:t>06/08/2020</a:t>
             </a:fld>
             <a:endParaRPr lang="en-DE"/>
           </a:p>
@@ -4711,7 +4711,7 @@
           <a:p>
             <a:fld id="{CBC09B0A-95AC-4D51-824E-FF28FB884E33}" type="datetimeFigureOut">
               <a:rPr lang="en-DE" smtClean="0"/>
-              <a:t>05/08/2020</a:t>
+              <a:t>06/08/2020</a:t>
             </a:fld>
             <a:endParaRPr lang="en-DE"/>
           </a:p>
@@ -5024,7 +5024,7 @@
           <a:p>
             <a:fld id="{CBC09B0A-95AC-4D51-824E-FF28FB884E33}" type="datetimeFigureOut">
               <a:rPr lang="en-DE" smtClean="0"/>
-              <a:t>05/08/2020</a:t>
+              <a:t>06/08/2020</a:t>
             </a:fld>
             <a:endParaRPr lang="en-DE"/>
           </a:p>
@@ -5313,7 +5313,7 @@
           <a:p>
             <a:fld id="{CBC09B0A-95AC-4D51-824E-FF28FB884E33}" type="datetimeFigureOut">
               <a:rPr lang="en-DE" smtClean="0"/>
-              <a:t>05/08/2020</a:t>
+              <a:t>06/08/2020</a:t>
             </a:fld>
             <a:endParaRPr lang="en-DE"/>
           </a:p>
@@ -5556,7 +5556,7 @@
           <a:p>
             <a:fld id="{CBC09B0A-95AC-4D51-824E-FF28FB884E33}" type="datetimeFigureOut">
               <a:rPr lang="en-DE" smtClean="0"/>
-              <a:t>05/08/2020</a:t>
+              <a:t>06/08/2020</a:t>
             </a:fld>
             <a:endParaRPr lang="en-DE"/>
           </a:p>
@@ -6109,7 +6109,7 @@
                   <a:srgbClr val="000000"/>
                 </a:solidFill>
               </a:rPr>
-              <a:t>Summer Semester – ‘20</a:t>
+              <a:t>Summer Semester – 2020</a:t>
             </a:r>
           </a:p>
           <a:p>

--- a/MulticastBasedResourceSynchronization.pptx
+++ b/MulticastBasedResourceSynchronization.pptx
@@ -5,25 +5,26 @@
     <p:sldMasterId id="2147483677" r:id="rId1"/>
   </p:sldMasterIdLst>
   <p:notesMasterIdLst>
-    <p:notesMasterId r:id="rId18"/>
+    <p:notesMasterId r:id="rId19"/>
   </p:notesMasterIdLst>
   <p:sldIdLst>
     <p:sldId id="265" r:id="rId2"/>
-    <p:sldId id="257" r:id="rId3"/>
-    <p:sldId id="268" r:id="rId4"/>
-    <p:sldId id="270" r:id="rId5"/>
-    <p:sldId id="269" r:id="rId6"/>
-    <p:sldId id="273" r:id="rId7"/>
-    <p:sldId id="278" r:id="rId8"/>
-    <p:sldId id="274" r:id="rId9"/>
-    <p:sldId id="276" r:id="rId10"/>
-    <p:sldId id="281" r:id="rId11"/>
-    <p:sldId id="275" r:id="rId12"/>
-    <p:sldId id="279" r:id="rId13"/>
-    <p:sldId id="277" r:id="rId14"/>
-    <p:sldId id="272" r:id="rId15"/>
-    <p:sldId id="280" r:id="rId16"/>
-    <p:sldId id="271" r:id="rId17"/>
+    <p:sldId id="282" r:id="rId3"/>
+    <p:sldId id="257" r:id="rId4"/>
+    <p:sldId id="268" r:id="rId5"/>
+    <p:sldId id="270" r:id="rId6"/>
+    <p:sldId id="269" r:id="rId7"/>
+    <p:sldId id="273" r:id="rId8"/>
+    <p:sldId id="278" r:id="rId9"/>
+    <p:sldId id="274" r:id="rId10"/>
+    <p:sldId id="276" r:id="rId11"/>
+    <p:sldId id="281" r:id="rId12"/>
+    <p:sldId id="275" r:id="rId13"/>
+    <p:sldId id="279" r:id="rId14"/>
+    <p:sldId id="277" r:id="rId15"/>
+    <p:sldId id="272" r:id="rId16"/>
+    <p:sldId id="280" r:id="rId17"/>
+    <p:sldId id="271" r:id="rId18"/>
   </p:sldIdLst>
   <p:sldSz cx="12192000" cy="6858000"/>
   <p:notesSz cx="6858000" cy="9144000"/>
@@ -128,6 +129,7 @@
         <p14:section name="Default Section" id="{84044481-5683-4124-8060-05B3F2F27870}">
           <p14:sldIdLst>
             <p14:sldId id="265"/>
+            <p14:sldId id="282"/>
             <p14:sldId id="257"/>
             <p14:sldId id="268"/>
             <p14:sldId id="270"/>
@@ -239,7 +241,7 @@
           <a:p>
             <a:fld id="{B7E8217D-4AA7-404D-99D3-B61EB9FE4648}" type="datetimeFigureOut">
               <a:rPr lang="en-DE" smtClean="0"/>
-              <a:t>06/08/2020</a:t>
+              <a:t>08/08/2020</a:t>
             </a:fld>
             <a:endParaRPr lang="en-DE"/>
           </a:p>
@@ -762,7 +764,7 @@
     </p:spTree>
     <p:extLst>
       <p:ext uri="{BB962C8B-B14F-4D97-AF65-F5344CB8AC3E}">
-        <p14:creationId xmlns:p14="http://schemas.microsoft.com/office/powerpoint/2010/main" val="2270978848"/>
+        <p14:creationId xmlns:p14="http://schemas.microsoft.com/office/powerpoint/2010/main" val="3566130762"/>
       </p:ext>
     </p:extLst>
   </p:cSld>
@@ -816,7 +818,7 @@
           <a:bodyPr/>
           <a:lstStyle/>
           <a:p>
-            <a:endParaRPr lang="en-DE" dirty="0"/>
+            <a:endParaRPr lang="en-DE"/>
           </a:p>
         </p:txBody>
       </p:sp>
@@ -906,7 +908,7 @@
     </p:spTree>
     <p:extLst>
       <p:ext uri="{BB962C8B-B14F-4D97-AF65-F5344CB8AC3E}">
-        <p14:creationId xmlns:p14="http://schemas.microsoft.com/office/powerpoint/2010/main" val="279970337"/>
+        <p14:creationId xmlns:p14="http://schemas.microsoft.com/office/powerpoint/2010/main" val="2270978848"/>
       </p:ext>
     </p:extLst>
   </p:cSld>
@@ -960,7 +962,7 @@
           <a:bodyPr/>
           <a:lstStyle/>
           <a:p>
-            <a:endParaRPr lang="en-DE"/>
+            <a:endParaRPr lang="en-DE" dirty="0"/>
           </a:p>
         </p:txBody>
       </p:sp>
@@ -1050,7 +1052,7 @@
     </p:spTree>
     <p:extLst>
       <p:ext uri="{BB962C8B-B14F-4D97-AF65-F5344CB8AC3E}">
-        <p14:creationId xmlns:p14="http://schemas.microsoft.com/office/powerpoint/2010/main" val="2034983421"/>
+        <p14:creationId xmlns:p14="http://schemas.microsoft.com/office/powerpoint/2010/main" val="279970337"/>
       </p:ext>
     </p:extLst>
   </p:cSld>
@@ -1194,7 +1196,7 @@
     </p:spTree>
     <p:extLst>
       <p:ext uri="{BB962C8B-B14F-4D97-AF65-F5344CB8AC3E}">
-        <p14:creationId xmlns:p14="http://schemas.microsoft.com/office/powerpoint/2010/main" val="3336269791"/>
+        <p14:creationId xmlns:p14="http://schemas.microsoft.com/office/powerpoint/2010/main" val="2034983421"/>
       </p:ext>
     </p:extLst>
   </p:cSld>
@@ -1338,7 +1340,7 @@
     </p:spTree>
     <p:extLst>
       <p:ext uri="{BB962C8B-B14F-4D97-AF65-F5344CB8AC3E}">
-        <p14:creationId xmlns:p14="http://schemas.microsoft.com/office/powerpoint/2010/main" val="3377447204"/>
+        <p14:creationId xmlns:p14="http://schemas.microsoft.com/office/powerpoint/2010/main" val="3336269791"/>
       </p:ext>
     </p:extLst>
   </p:cSld>
@@ -1482,7 +1484,7 @@
     </p:spTree>
     <p:extLst>
       <p:ext uri="{BB962C8B-B14F-4D97-AF65-F5344CB8AC3E}">
-        <p14:creationId xmlns:p14="http://schemas.microsoft.com/office/powerpoint/2010/main" val="3543150106"/>
+        <p14:creationId xmlns:p14="http://schemas.microsoft.com/office/powerpoint/2010/main" val="3377447204"/>
       </p:ext>
     </p:extLst>
   </p:cSld>
@@ -1626,7 +1628,7 @@
     </p:spTree>
     <p:extLst>
       <p:ext uri="{BB962C8B-B14F-4D97-AF65-F5344CB8AC3E}">
-        <p14:creationId xmlns:p14="http://schemas.microsoft.com/office/powerpoint/2010/main" val="802528510"/>
+        <p14:creationId xmlns:p14="http://schemas.microsoft.com/office/powerpoint/2010/main" val="3543150106"/>
       </p:ext>
     </p:extLst>
   </p:cSld>
@@ -1636,91 +1638,7 @@
 </p:notes>
 </file>
 
-<file path=ppt/notesSlides/notesSlide2.xml><?xml version="1.0" encoding="utf-8"?>
-<p:notes xmlns:a="http://schemas.openxmlformats.org/drawingml/2006/main" xmlns:r="http://schemas.openxmlformats.org/officeDocument/2006/relationships" xmlns:p="http://schemas.openxmlformats.org/presentationml/2006/main">
-  <p:cSld>
-    <p:spTree>
-      <p:nvGrpSpPr>
-        <p:cNvPr id="1" name=""/>
-        <p:cNvGrpSpPr/>
-        <p:nvPr/>
-      </p:nvGrpSpPr>
-      <p:grpSpPr>
-        <a:xfrm>
-          <a:off x="0" y="0"/>
-          <a:ext cx="0" cy="0"/>
-          <a:chOff x="0" y="0"/>
-          <a:chExt cx="0" cy="0"/>
-        </a:xfrm>
-      </p:grpSpPr>
-      <p:sp>
-        <p:nvSpPr>
-          <p:cNvPr id="2" name="Slide Image Placeholder 1"/>
-          <p:cNvSpPr>
-            <a:spLocks noGrp="1" noRot="1" noChangeAspect="1"/>
-          </p:cNvSpPr>
-          <p:nvPr>
-            <p:ph type="sldImg"/>
-          </p:nvPr>
-        </p:nvSpPr>
-        <p:spPr/>
-      </p:sp>
-      <p:sp>
-        <p:nvSpPr>
-          <p:cNvPr id="3" name="Notes Placeholder 2"/>
-          <p:cNvSpPr>
-            <a:spLocks noGrp="1"/>
-          </p:cNvSpPr>
-          <p:nvPr>
-            <p:ph type="body" idx="1"/>
-          </p:nvPr>
-        </p:nvSpPr>
-        <p:spPr/>
-        <p:txBody>
-          <a:bodyPr/>
-          <a:lstStyle/>
-          <a:p>
-            <a:endParaRPr lang="en-DE"/>
-          </a:p>
-        </p:txBody>
-      </p:sp>
-      <p:sp>
-        <p:nvSpPr>
-          <p:cNvPr id="4" name="Slide Number Placeholder 3"/>
-          <p:cNvSpPr>
-            <a:spLocks noGrp="1"/>
-          </p:cNvSpPr>
-          <p:nvPr>
-            <p:ph type="sldNum" sz="quarter" idx="5"/>
-          </p:nvPr>
-        </p:nvSpPr>
-        <p:spPr/>
-        <p:txBody>
-          <a:bodyPr/>
-          <a:lstStyle/>
-          <a:p>
-            <a:fld id="{9B70EE6D-9035-474A-96AD-187285DFF870}" type="slidenum">
-              <a:rPr lang="en-DE" smtClean="0"/>
-              <a:t>2</a:t>
-            </a:fld>
-            <a:endParaRPr lang="en-DE"/>
-          </a:p>
-        </p:txBody>
-      </p:sp>
-    </p:spTree>
-    <p:extLst>
-      <p:ext uri="{BB962C8B-B14F-4D97-AF65-F5344CB8AC3E}">
-        <p14:creationId xmlns:p14="http://schemas.microsoft.com/office/powerpoint/2010/main" val="2011279365"/>
-      </p:ext>
-    </p:extLst>
-  </p:cSld>
-  <p:clrMapOvr>
-    <a:masterClrMapping/>
-  </p:clrMapOvr>
-</p:notes>
-</file>
-
-<file path=ppt/notesSlides/notesSlide3.xml><?xml version="1.0" encoding="utf-8"?>
+<file path=ppt/notesSlides/notesSlide17.xml><?xml version="1.0" encoding="utf-8"?>
 <p:notes xmlns:a="http://schemas.openxmlformats.org/drawingml/2006/main" xmlns:r="http://schemas.openxmlformats.org/officeDocument/2006/relationships" xmlns:p="http://schemas.openxmlformats.org/presentationml/2006/main">
   <p:cSld>
     <p:spTree>
@@ -1832,7 +1750,7 @@
                 <a:tabLst/>
                 <a:defRPr/>
               </a:pPr>
-              <a:t>3</a:t>
+              <a:t>17</a:t>
             </a:fld>
             <a:endParaRPr kumimoji="0" lang="en-DE" sz="1200" b="0" i="0" u="none" strike="noStrike" kern="1200" cap="none" spc="0" normalizeH="0" baseline="0" noProof="0">
               <a:ln>
@@ -1854,7 +1772,175 @@
     </p:spTree>
     <p:extLst>
       <p:ext uri="{BB962C8B-B14F-4D97-AF65-F5344CB8AC3E}">
-        <p14:creationId xmlns:p14="http://schemas.microsoft.com/office/powerpoint/2010/main" val="4284988916"/>
+        <p14:creationId xmlns:p14="http://schemas.microsoft.com/office/powerpoint/2010/main" val="802528510"/>
+      </p:ext>
+    </p:extLst>
+  </p:cSld>
+  <p:clrMapOvr>
+    <a:masterClrMapping/>
+  </p:clrMapOvr>
+</p:notes>
+</file>
+
+<file path=ppt/notesSlides/notesSlide2.xml><?xml version="1.0" encoding="utf-8"?>
+<p:notes xmlns:a="http://schemas.openxmlformats.org/drawingml/2006/main" xmlns:r="http://schemas.openxmlformats.org/officeDocument/2006/relationships" xmlns:p="http://schemas.openxmlformats.org/presentationml/2006/main">
+  <p:cSld>
+    <p:spTree>
+      <p:nvGrpSpPr>
+        <p:cNvPr id="1" name=""/>
+        <p:cNvGrpSpPr/>
+        <p:nvPr/>
+      </p:nvGrpSpPr>
+      <p:grpSpPr>
+        <a:xfrm>
+          <a:off x="0" y="0"/>
+          <a:ext cx="0" cy="0"/>
+          <a:chOff x="0" y="0"/>
+          <a:chExt cx="0" cy="0"/>
+        </a:xfrm>
+      </p:grpSpPr>
+      <p:sp>
+        <p:nvSpPr>
+          <p:cNvPr id="2" name="Slide Image Placeholder 1"/>
+          <p:cNvSpPr>
+            <a:spLocks noGrp="1" noRot="1" noChangeAspect="1"/>
+          </p:cNvSpPr>
+          <p:nvPr>
+            <p:ph type="sldImg"/>
+          </p:nvPr>
+        </p:nvSpPr>
+        <p:spPr/>
+      </p:sp>
+      <p:sp>
+        <p:nvSpPr>
+          <p:cNvPr id="3" name="Notes Placeholder 2"/>
+          <p:cNvSpPr>
+            <a:spLocks noGrp="1"/>
+          </p:cNvSpPr>
+          <p:nvPr>
+            <p:ph type="body" idx="1"/>
+          </p:nvPr>
+        </p:nvSpPr>
+        <p:spPr/>
+        <p:txBody>
+          <a:bodyPr/>
+          <a:lstStyle/>
+          <a:p>
+            <a:endParaRPr lang="en-DE"/>
+          </a:p>
+        </p:txBody>
+      </p:sp>
+      <p:sp>
+        <p:nvSpPr>
+          <p:cNvPr id="4" name="Slide Number Placeholder 3"/>
+          <p:cNvSpPr>
+            <a:spLocks noGrp="1"/>
+          </p:cNvSpPr>
+          <p:nvPr>
+            <p:ph type="sldNum" sz="quarter" idx="5"/>
+          </p:nvPr>
+        </p:nvSpPr>
+        <p:spPr/>
+        <p:txBody>
+          <a:bodyPr/>
+          <a:lstStyle/>
+          <a:p>
+            <a:fld id="{9B70EE6D-9035-474A-96AD-187285DFF870}" type="slidenum">
+              <a:rPr lang="en-DE" smtClean="0"/>
+              <a:t>2</a:t>
+            </a:fld>
+            <a:endParaRPr lang="en-DE"/>
+          </a:p>
+        </p:txBody>
+      </p:sp>
+    </p:spTree>
+    <p:extLst>
+      <p:ext uri="{BB962C8B-B14F-4D97-AF65-F5344CB8AC3E}">
+        <p14:creationId xmlns:p14="http://schemas.microsoft.com/office/powerpoint/2010/main" val="782003241"/>
+      </p:ext>
+    </p:extLst>
+  </p:cSld>
+  <p:clrMapOvr>
+    <a:masterClrMapping/>
+  </p:clrMapOvr>
+</p:notes>
+</file>
+
+<file path=ppt/notesSlides/notesSlide3.xml><?xml version="1.0" encoding="utf-8"?>
+<p:notes xmlns:a="http://schemas.openxmlformats.org/drawingml/2006/main" xmlns:r="http://schemas.openxmlformats.org/officeDocument/2006/relationships" xmlns:p="http://schemas.openxmlformats.org/presentationml/2006/main">
+  <p:cSld>
+    <p:spTree>
+      <p:nvGrpSpPr>
+        <p:cNvPr id="1" name=""/>
+        <p:cNvGrpSpPr/>
+        <p:nvPr/>
+      </p:nvGrpSpPr>
+      <p:grpSpPr>
+        <a:xfrm>
+          <a:off x="0" y="0"/>
+          <a:ext cx="0" cy="0"/>
+          <a:chOff x="0" y="0"/>
+          <a:chExt cx="0" cy="0"/>
+        </a:xfrm>
+      </p:grpSpPr>
+      <p:sp>
+        <p:nvSpPr>
+          <p:cNvPr id="2" name="Slide Image Placeholder 1"/>
+          <p:cNvSpPr>
+            <a:spLocks noGrp="1" noRot="1" noChangeAspect="1"/>
+          </p:cNvSpPr>
+          <p:nvPr>
+            <p:ph type="sldImg"/>
+          </p:nvPr>
+        </p:nvSpPr>
+        <p:spPr/>
+      </p:sp>
+      <p:sp>
+        <p:nvSpPr>
+          <p:cNvPr id="3" name="Notes Placeholder 2"/>
+          <p:cNvSpPr>
+            <a:spLocks noGrp="1"/>
+          </p:cNvSpPr>
+          <p:nvPr>
+            <p:ph type="body" idx="1"/>
+          </p:nvPr>
+        </p:nvSpPr>
+        <p:spPr/>
+        <p:txBody>
+          <a:bodyPr/>
+          <a:lstStyle/>
+          <a:p>
+            <a:endParaRPr lang="en-DE"/>
+          </a:p>
+        </p:txBody>
+      </p:sp>
+      <p:sp>
+        <p:nvSpPr>
+          <p:cNvPr id="4" name="Slide Number Placeholder 3"/>
+          <p:cNvSpPr>
+            <a:spLocks noGrp="1"/>
+          </p:cNvSpPr>
+          <p:nvPr>
+            <p:ph type="sldNum" sz="quarter" idx="5"/>
+          </p:nvPr>
+        </p:nvSpPr>
+        <p:spPr/>
+        <p:txBody>
+          <a:bodyPr/>
+          <a:lstStyle/>
+          <a:p>
+            <a:fld id="{9B70EE6D-9035-474A-96AD-187285DFF870}" type="slidenum">
+              <a:rPr lang="en-DE" smtClean="0"/>
+              <a:t>3</a:t>
+            </a:fld>
+            <a:endParaRPr lang="en-DE"/>
+          </a:p>
+        </p:txBody>
+      </p:sp>
+    </p:spTree>
+    <p:extLst>
+      <p:ext uri="{BB962C8B-B14F-4D97-AF65-F5344CB8AC3E}">
+        <p14:creationId xmlns:p14="http://schemas.microsoft.com/office/powerpoint/2010/main" val="2011279365"/>
       </p:ext>
     </p:extLst>
   </p:cSld>
@@ -1998,7 +2084,7 @@
     </p:spTree>
     <p:extLst>
       <p:ext uri="{BB962C8B-B14F-4D97-AF65-F5344CB8AC3E}">
-        <p14:creationId xmlns:p14="http://schemas.microsoft.com/office/powerpoint/2010/main" val="3201353920"/>
+        <p14:creationId xmlns:p14="http://schemas.microsoft.com/office/powerpoint/2010/main" val="4284988916"/>
       </p:ext>
     </p:extLst>
   </p:cSld>
@@ -2142,7 +2228,7 @@
     </p:spTree>
     <p:extLst>
       <p:ext uri="{BB962C8B-B14F-4D97-AF65-F5344CB8AC3E}">
-        <p14:creationId xmlns:p14="http://schemas.microsoft.com/office/powerpoint/2010/main" val="2299729343"/>
+        <p14:creationId xmlns:p14="http://schemas.microsoft.com/office/powerpoint/2010/main" val="3201353920"/>
       </p:ext>
     </p:extLst>
   </p:cSld>
@@ -2196,17 +2282,7 @@
           <a:bodyPr/>
           <a:lstStyle/>
           <a:p>
-            <a:r>
-              <a:rPr lang="en-US" dirty="0"/>
-              <a:t>When states of queues of adjacent nodes update/change: Transaction.</a:t>
-            </a:r>
-          </a:p>
-          <a:p>
-            <a:r>
-              <a:rPr lang="en-US" dirty="0"/>
-              <a:t>When states of queues of partition gets synchronized to same state : Session.</a:t>
-            </a:r>
-            <a:endParaRPr lang="en-DE" dirty="0"/>
+            <a:endParaRPr lang="en-DE"/>
           </a:p>
         </p:txBody>
       </p:sp>
@@ -2296,7 +2372,7 @@
     </p:spTree>
     <p:extLst>
       <p:ext uri="{BB962C8B-B14F-4D97-AF65-F5344CB8AC3E}">
-        <p14:creationId xmlns:p14="http://schemas.microsoft.com/office/powerpoint/2010/main" val="3755697841"/>
+        <p14:creationId xmlns:p14="http://schemas.microsoft.com/office/powerpoint/2010/main" val="2299729343"/>
       </p:ext>
     </p:extLst>
   </p:cSld>
@@ -2350,7 +2426,17 @@
           <a:bodyPr/>
           <a:lstStyle/>
           <a:p>
-            <a:endParaRPr lang="en-DE"/>
+            <a:r>
+              <a:rPr lang="en-US" dirty="0"/>
+              <a:t>When states of queues of adjacent nodes update/change: Transaction.</a:t>
+            </a:r>
+          </a:p>
+          <a:p>
+            <a:r>
+              <a:rPr lang="en-US" dirty="0"/>
+              <a:t>When states of queues of partition gets synchronized to same state : Session.</a:t>
+            </a:r>
+            <a:endParaRPr lang="en-DE" dirty="0"/>
           </a:p>
         </p:txBody>
       </p:sp>
@@ -2440,7 +2526,7 @@
     </p:spTree>
     <p:extLst>
       <p:ext uri="{BB962C8B-B14F-4D97-AF65-F5344CB8AC3E}">
-        <p14:creationId xmlns:p14="http://schemas.microsoft.com/office/powerpoint/2010/main" val="377377569"/>
+        <p14:creationId xmlns:p14="http://schemas.microsoft.com/office/powerpoint/2010/main" val="3755697841"/>
       </p:ext>
     </p:extLst>
   </p:cSld>
@@ -2584,7 +2670,7 @@
     </p:spTree>
     <p:extLst>
       <p:ext uri="{BB962C8B-B14F-4D97-AF65-F5344CB8AC3E}">
-        <p14:creationId xmlns:p14="http://schemas.microsoft.com/office/powerpoint/2010/main" val="3506842392"/>
+        <p14:creationId xmlns:p14="http://schemas.microsoft.com/office/powerpoint/2010/main" val="377377569"/>
       </p:ext>
     </p:extLst>
   </p:cSld>
@@ -2728,7 +2814,7 @@
     </p:spTree>
     <p:extLst>
       <p:ext uri="{BB962C8B-B14F-4D97-AF65-F5344CB8AC3E}">
-        <p14:creationId xmlns:p14="http://schemas.microsoft.com/office/powerpoint/2010/main" val="3566130762"/>
+        <p14:creationId xmlns:p14="http://schemas.microsoft.com/office/powerpoint/2010/main" val="3506842392"/>
       </p:ext>
     </p:extLst>
   </p:cSld>
@@ -2887,7 +2973,7 @@
           <a:p>
             <a:fld id="{CBC09B0A-95AC-4D51-824E-FF28FB884E33}" type="datetimeFigureOut">
               <a:rPr lang="en-DE" smtClean="0"/>
-              <a:t>06/08/2020</a:t>
+              <a:t>08/08/2020</a:t>
             </a:fld>
             <a:endParaRPr lang="en-DE"/>
           </a:p>
@@ -3087,7 +3173,7 @@
           <a:p>
             <a:fld id="{CBC09B0A-95AC-4D51-824E-FF28FB884E33}" type="datetimeFigureOut">
               <a:rPr lang="en-DE" smtClean="0"/>
-              <a:t>06/08/2020</a:t>
+              <a:t>08/08/2020</a:t>
             </a:fld>
             <a:endParaRPr lang="en-DE"/>
           </a:p>
@@ -3297,7 +3383,7 @@
           <a:p>
             <a:fld id="{CBC09B0A-95AC-4D51-824E-FF28FB884E33}" type="datetimeFigureOut">
               <a:rPr lang="en-DE" smtClean="0"/>
-              <a:t>06/08/2020</a:t>
+              <a:t>08/08/2020</a:t>
             </a:fld>
             <a:endParaRPr lang="en-DE"/>
           </a:p>
@@ -3497,7 +3583,7 @@
           <a:p>
             <a:fld id="{CBC09B0A-95AC-4D51-824E-FF28FB884E33}" type="datetimeFigureOut">
               <a:rPr lang="en-DE" smtClean="0"/>
-              <a:t>06/08/2020</a:t>
+              <a:t>08/08/2020</a:t>
             </a:fld>
             <a:endParaRPr lang="en-DE"/>
           </a:p>
@@ -3773,7 +3859,7 @@
           <a:p>
             <a:fld id="{CBC09B0A-95AC-4D51-824E-FF28FB884E33}" type="datetimeFigureOut">
               <a:rPr lang="en-DE" smtClean="0"/>
-              <a:t>06/08/2020</a:t>
+              <a:t>08/08/2020</a:t>
             </a:fld>
             <a:endParaRPr lang="en-DE"/>
           </a:p>
@@ -4041,7 +4127,7 @@
           <a:p>
             <a:fld id="{CBC09B0A-95AC-4D51-824E-FF28FB884E33}" type="datetimeFigureOut">
               <a:rPr lang="en-DE" smtClean="0"/>
-              <a:t>06/08/2020</a:t>
+              <a:t>08/08/2020</a:t>
             </a:fld>
             <a:endParaRPr lang="en-DE"/>
           </a:p>
@@ -4456,7 +4542,7 @@
           <a:p>
             <a:fld id="{CBC09B0A-95AC-4D51-824E-FF28FB884E33}" type="datetimeFigureOut">
               <a:rPr lang="en-DE" smtClean="0"/>
-              <a:t>06/08/2020</a:t>
+              <a:t>08/08/2020</a:t>
             </a:fld>
             <a:endParaRPr lang="en-DE"/>
           </a:p>
@@ -4598,7 +4684,7 @@
           <a:p>
             <a:fld id="{CBC09B0A-95AC-4D51-824E-FF28FB884E33}" type="datetimeFigureOut">
               <a:rPr lang="en-DE" smtClean="0"/>
-              <a:t>06/08/2020</a:t>
+              <a:t>08/08/2020</a:t>
             </a:fld>
             <a:endParaRPr lang="en-DE"/>
           </a:p>
@@ -4711,7 +4797,7 @@
           <a:p>
             <a:fld id="{CBC09B0A-95AC-4D51-824E-FF28FB884E33}" type="datetimeFigureOut">
               <a:rPr lang="en-DE" smtClean="0"/>
-              <a:t>06/08/2020</a:t>
+              <a:t>08/08/2020</a:t>
             </a:fld>
             <a:endParaRPr lang="en-DE"/>
           </a:p>
@@ -5024,7 +5110,7 @@
           <a:p>
             <a:fld id="{CBC09B0A-95AC-4D51-824E-FF28FB884E33}" type="datetimeFigureOut">
               <a:rPr lang="en-DE" smtClean="0"/>
-              <a:t>06/08/2020</a:t>
+              <a:t>08/08/2020</a:t>
             </a:fld>
             <a:endParaRPr lang="en-DE"/>
           </a:p>
@@ -5313,7 +5399,7 @@
           <a:p>
             <a:fld id="{CBC09B0A-95AC-4D51-824E-FF28FB884E33}" type="datetimeFigureOut">
               <a:rPr lang="en-DE" smtClean="0"/>
-              <a:t>06/08/2020</a:t>
+              <a:t>08/08/2020</a:t>
             </a:fld>
             <a:endParaRPr lang="en-DE"/>
           </a:p>
@@ -5556,7 +5642,7 @@
           <a:p>
             <a:fld id="{CBC09B0A-95AC-4D51-824E-FF28FB884E33}" type="datetimeFigureOut">
               <a:rPr lang="en-DE" smtClean="0"/>
-              <a:t>06/08/2020</a:t>
+              <a:t>08/08/2020</a:t>
             </a:fld>
             <a:endParaRPr lang="en-DE"/>
           </a:p>
@@ -6238,6 +6324,120 @@
       </p:sp>
       <p:pic>
         <p:nvPicPr>
+          <p:cNvPr id="5" name="Picture 4" descr="A screenshot of a cell phone&#10;&#10;Description automatically generated">
+            <a:extLst>
+              <a:ext uri="{FF2B5EF4-FFF2-40B4-BE49-F238E27FC236}">
+                <a16:creationId xmlns:a16="http://schemas.microsoft.com/office/drawing/2014/main" id="{A6AE844F-F5EE-481D-B097-CF1A8DE1BF68}"/>
+              </a:ext>
+            </a:extLst>
+          </p:cNvPr>
+          <p:cNvPicPr>
+            <a:picLocks noChangeAspect="1"/>
+          </p:cNvPicPr>
+          <p:nvPr/>
+        </p:nvPicPr>
+        <p:blipFill>
+          <a:blip r:embed="rId3">
+            <a:extLst>
+              <a:ext uri="{28A0092B-C50C-407E-A947-70E740481C1C}">
+                <a14:useLocalDpi xmlns:a14="http://schemas.microsoft.com/office/drawing/2010/main" val="0"/>
+              </a:ext>
+            </a:extLst>
+          </a:blip>
+          <a:stretch>
+            <a:fillRect/>
+          </a:stretch>
+        </p:blipFill>
+        <p:spPr>
+          <a:xfrm>
+            <a:off x="838199" y="1122879"/>
+            <a:ext cx="6996561" cy="4065569"/>
+          </a:xfrm>
+          <a:prstGeom prst="rect">
+            <a:avLst/>
+          </a:prstGeom>
+        </p:spPr>
+      </p:pic>
+    </p:spTree>
+    <p:extLst>
+      <p:ext uri="{BB962C8B-B14F-4D97-AF65-F5344CB8AC3E}">
+        <p14:creationId xmlns:p14="http://schemas.microsoft.com/office/powerpoint/2010/main" val="919128549"/>
+      </p:ext>
+    </p:extLst>
+  </p:cSld>
+  <p:clrMapOvr>
+    <a:masterClrMapping/>
+  </p:clrMapOvr>
+</p:sld>
+</file>
+
+<file path=ppt/slides/slide11.xml><?xml version="1.0" encoding="utf-8"?>
+<p:sld xmlns:a="http://schemas.openxmlformats.org/drawingml/2006/main" xmlns:r="http://schemas.openxmlformats.org/officeDocument/2006/relationships" xmlns:p="http://schemas.openxmlformats.org/presentationml/2006/main">
+  <p:cSld>
+    <p:spTree>
+      <p:nvGrpSpPr>
+        <p:cNvPr id="1" name=""/>
+        <p:cNvGrpSpPr/>
+        <p:nvPr/>
+      </p:nvGrpSpPr>
+      <p:grpSpPr>
+        <a:xfrm>
+          <a:off x="0" y="0"/>
+          <a:ext cx="0" cy="0"/>
+          <a:chOff x="0" y="0"/>
+          <a:chExt cx="0" cy="0"/>
+        </a:xfrm>
+      </p:grpSpPr>
+      <p:sp>
+        <p:nvSpPr>
+          <p:cNvPr id="2" name="Title 1">
+            <a:extLst>
+              <a:ext uri="{FF2B5EF4-FFF2-40B4-BE49-F238E27FC236}">
+                <a16:creationId xmlns:a16="http://schemas.microsoft.com/office/drawing/2014/main" id="{DA7E9757-9E36-42A7-B1DD-35ED3DF90830}"/>
+              </a:ext>
+            </a:extLst>
+          </p:cNvPr>
+          <p:cNvSpPr>
+            <a:spLocks noGrp="1"/>
+          </p:cNvSpPr>
+          <p:nvPr>
+            <p:ph type="title"/>
+          </p:nvPr>
+        </p:nvSpPr>
+        <p:spPr>
+          <a:xfrm>
+            <a:off x="838200" y="313755"/>
+            <a:ext cx="10515600" cy="631467"/>
+          </a:xfrm>
+        </p:spPr>
+        <p:txBody>
+          <a:bodyPr>
+            <a:normAutofit/>
+          </a:bodyPr>
+          <a:lstStyle/>
+          <a:p>
+            <a:r>
+              <a:rPr lang="en-US" sz="2400" b="1" dirty="0">
+                <a:solidFill>
+                  <a:schemeClr val="accent5">
+                    <a:lumMod val="75000"/>
+                  </a:schemeClr>
+                </a:solidFill>
+              </a:rPr>
+              <a:t>Messages &amp; Transactions : NS-Synchronize</a:t>
+            </a:r>
+            <a:endParaRPr lang="en-DE" sz="2400" b="1" dirty="0">
+              <a:solidFill>
+                <a:schemeClr val="accent5">
+                  <a:lumMod val="75000"/>
+                </a:schemeClr>
+              </a:solidFill>
+            </a:endParaRPr>
+          </a:p>
+        </p:txBody>
+      </p:sp>
+      <p:pic>
+        <p:nvPicPr>
           <p:cNvPr id="7" name="Picture 6" descr="A screenshot of a social media post&#10;&#10;Description automatically generated">
             <a:extLst>
               <a:ext uri="{FF2B5EF4-FFF2-40B4-BE49-F238E27FC236}">
@@ -6285,7 +6485,7 @@
 </p:sld>
 </file>
 
-<file path=ppt/slides/slide11.xml><?xml version="1.0" encoding="utf-8"?>
+<file path=ppt/slides/slide12.xml><?xml version="1.0" encoding="utf-8"?>
 <p:sld xmlns:a="http://schemas.openxmlformats.org/drawingml/2006/main" xmlns:r="http://schemas.openxmlformats.org/officeDocument/2006/relationships" xmlns:p="http://schemas.openxmlformats.org/presentationml/2006/main">
   <p:cSld>
     <p:spTree>
@@ -6435,7 +6635,7 @@
 </p:sld>
 </file>
 
-<file path=ppt/slides/slide12.xml><?xml version="1.0" encoding="utf-8"?>
+<file path=ppt/slides/slide13.xml><?xml version="1.0" encoding="utf-8"?>
 <p:sld xmlns:a="http://schemas.openxmlformats.org/drawingml/2006/main" xmlns:r="http://schemas.openxmlformats.org/officeDocument/2006/relationships" xmlns:p="http://schemas.openxmlformats.org/presentationml/2006/main">
   <p:cSld>
     <p:spTree>
@@ -6549,7 +6749,7 @@
 </p:sld>
 </file>
 
-<file path=ppt/slides/slide13.xml><?xml version="1.0" encoding="utf-8"?>
+<file path=ppt/slides/slide14.xml><?xml version="1.0" encoding="utf-8"?>
 <p:sld xmlns:a="http://schemas.openxmlformats.org/drawingml/2006/main" xmlns:r="http://schemas.openxmlformats.org/officeDocument/2006/relationships" xmlns:p="http://schemas.openxmlformats.org/presentationml/2006/main">
   <p:cSld>
     <p:spTree>
@@ -6663,7 +6863,7 @@
 </p:sld>
 </file>
 
-<file path=ppt/slides/slide14.xml><?xml version="1.0" encoding="utf-8"?>
+<file path=ppt/slides/slide15.xml><?xml version="1.0" encoding="utf-8"?>
 <p:sld xmlns:a="http://schemas.openxmlformats.org/drawingml/2006/main" xmlns:r="http://schemas.openxmlformats.org/officeDocument/2006/relationships" xmlns:p="http://schemas.openxmlformats.org/presentationml/2006/main">
   <p:cSld>
     <p:spTree>
@@ -6777,7 +6977,7 @@
 </p:sld>
 </file>
 
-<file path=ppt/slides/slide15.xml><?xml version="1.0" encoding="utf-8"?>
+<file path=ppt/slides/slide16.xml><?xml version="1.0" encoding="utf-8"?>
 <p:sld xmlns:a="http://schemas.openxmlformats.org/drawingml/2006/main" xmlns:r="http://schemas.openxmlformats.org/officeDocument/2006/relationships" xmlns:p="http://schemas.openxmlformats.org/presentationml/2006/main">
   <p:cSld>
     <p:spTree>
@@ -6927,7 +7127,7 @@
 </p:sld>
 </file>
 
-<file path=ppt/slides/slide16.xml><?xml version="1.0" encoding="utf-8"?>
+<file path=ppt/slides/slide17.xml><?xml version="1.0" encoding="utf-8"?>
 <p:sld xmlns:a="http://schemas.openxmlformats.org/drawingml/2006/main" xmlns:r="http://schemas.openxmlformats.org/officeDocument/2006/relationships" xmlns:p="http://schemas.openxmlformats.org/presentationml/2006/main">
   <p:cSld>
     <p:spTree>
@@ -7015,18 +7215,23 @@
           </a:xfrm>
         </p:spPr>
         <p:txBody>
-          <a:bodyPr>
+          <a:bodyPr numCol="1">
             <a:normAutofit/>
           </a:bodyPr>
           <a:lstStyle/>
           <a:p>
+            <a:pPr algn="just"/>
             <a:r>
               <a:rPr lang="en-US" sz="1800" dirty="0"/>
-              <a:t>[Frick] 		NFV Resource Advertisement and Discovery Protocol for a Distributed NFV Orchestration 		in a WMN-based Disaster Network.</a:t>
-            </a:r>
-          </a:p>
-          <a:p>
-            <a:endParaRPr lang="en-DE" sz="1800" dirty="0"/>
+              <a:t>[Frick]		NFV Resource Advertisement and Discovery Protocol for a Distributed NFV Orchestration in 		a  WMN-based Disaster Network.</a:t>
+            </a:r>
+          </a:p>
+          <a:p>
+            <a:pPr algn="just"/>
+            <a:r>
+              <a:rPr lang="en-US" sz="1800" dirty="0"/>
+              <a:t>[ETSI]		ETSI Report on SDN Usage in NFV Architectural Framework. ETSI GS NFV-EVE 005 v1.1.1 			(2015-12)</a:t>
+            </a:r>
           </a:p>
         </p:txBody>
       </p:sp>
@@ -7096,6 +7301,156 @@
                   </a:schemeClr>
                 </a:solidFill>
               </a:rPr>
+              <a:t>ETSI NFV Architecture</a:t>
+            </a:r>
+            <a:endParaRPr lang="en-DE" sz="2400" b="1" dirty="0">
+              <a:solidFill>
+                <a:schemeClr val="accent5">
+                  <a:lumMod val="75000"/>
+                </a:schemeClr>
+              </a:solidFill>
+            </a:endParaRPr>
+          </a:p>
+        </p:txBody>
+      </p:sp>
+      <p:sp>
+        <p:nvSpPr>
+          <p:cNvPr id="9" name="TextBox 8">
+            <a:extLst>
+              <a:ext uri="{FF2B5EF4-FFF2-40B4-BE49-F238E27FC236}">
+                <a16:creationId xmlns:a16="http://schemas.microsoft.com/office/drawing/2014/main" id="{2B561BA7-EA78-4FB9-BBD0-A2603ED9C799}"/>
+              </a:ext>
+            </a:extLst>
+          </p:cNvPr>
+          <p:cNvSpPr txBox="1"/>
+          <p:nvPr/>
+        </p:nvSpPr>
+        <p:spPr>
+          <a:xfrm>
+            <a:off x="300789" y="6340642"/>
+            <a:ext cx="2779295" cy="369332"/>
+          </a:xfrm>
+          <a:prstGeom prst="rect">
+            <a:avLst/>
+          </a:prstGeom>
+          <a:noFill/>
+        </p:spPr>
+        <p:txBody>
+          <a:bodyPr wrap="square" rtlCol="0">
+            <a:spAutoFit/>
+          </a:bodyPr>
+          <a:lstStyle/>
+          <a:p>
+            <a:r>
+              <a:rPr lang="en-US" dirty="0"/>
+              <a:t>[ETSI]</a:t>
+            </a:r>
+            <a:endParaRPr lang="en-DE" dirty="0"/>
+          </a:p>
+        </p:txBody>
+      </p:sp>
+      <p:pic>
+        <p:nvPicPr>
+          <p:cNvPr id="4" name="Picture 3" descr="A screenshot of a cell phone&#10;&#10;Description automatically generated">
+            <a:extLst>
+              <a:ext uri="{FF2B5EF4-FFF2-40B4-BE49-F238E27FC236}">
+                <a16:creationId xmlns:a16="http://schemas.microsoft.com/office/drawing/2014/main" id="{B4479848-62FE-4967-B0E2-FB23B506FAFF}"/>
+              </a:ext>
+            </a:extLst>
+          </p:cNvPr>
+          <p:cNvPicPr>
+            <a:picLocks noChangeAspect="1"/>
+          </p:cNvPicPr>
+          <p:nvPr/>
+        </p:nvPicPr>
+        <p:blipFill>
+          <a:blip r:embed="rId3">
+            <a:extLst>
+              <a:ext uri="{28A0092B-C50C-407E-A947-70E740481C1C}">
+                <a14:useLocalDpi xmlns:a14="http://schemas.microsoft.com/office/drawing/2010/main" val="0"/>
+              </a:ext>
+            </a:extLst>
+          </a:blip>
+          <a:stretch>
+            <a:fillRect/>
+          </a:stretch>
+        </p:blipFill>
+        <p:spPr>
+          <a:xfrm>
+            <a:off x="838200" y="1030447"/>
+            <a:ext cx="7905108" cy="4927747"/>
+          </a:xfrm>
+          <a:prstGeom prst="rect">
+            <a:avLst/>
+          </a:prstGeom>
+        </p:spPr>
+      </p:pic>
+    </p:spTree>
+    <p:extLst>
+      <p:ext uri="{BB962C8B-B14F-4D97-AF65-F5344CB8AC3E}">
+        <p14:creationId xmlns:p14="http://schemas.microsoft.com/office/powerpoint/2010/main" val="1731713269"/>
+      </p:ext>
+    </p:extLst>
+  </p:cSld>
+  <p:clrMapOvr>
+    <a:masterClrMapping/>
+  </p:clrMapOvr>
+</p:sld>
+</file>
+
+<file path=ppt/slides/slide3.xml><?xml version="1.0" encoding="utf-8"?>
+<p:sld xmlns:a="http://schemas.openxmlformats.org/drawingml/2006/main" xmlns:r="http://schemas.openxmlformats.org/officeDocument/2006/relationships" xmlns:p="http://schemas.openxmlformats.org/presentationml/2006/main">
+  <p:cSld>
+    <p:spTree>
+      <p:nvGrpSpPr>
+        <p:cNvPr id="1" name=""/>
+        <p:cNvGrpSpPr/>
+        <p:nvPr/>
+      </p:nvGrpSpPr>
+      <p:grpSpPr>
+        <a:xfrm>
+          <a:off x="0" y="0"/>
+          <a:ext cx="0" cy="0"/>
+          <a:chOff x="0" y="0"/>
+          <a:chExt cx="0" cy="0"/>
+        </a:xfrm>
+      </p:grpSpPr>
+      <p:sp>
+        <p:nvSpPr>
+          <p:cNvPr id="2" name="Title 1">
+            <a:extLst>
+              <a:ext uri="{FF2B5EF4-FFF2-40B4-BE49-F238E27FC236}">
+                <a16:creationId xmlns:a16="http://schemas.microsoft.com/office/drawing/2014/main" id="{DA7E9757-9E36-42A7-B1DD-35ED3DF90830}"/>
+              </a:ext>
+            </a:extLst>
+          </p:cNvPr>
+          <p:cNvSpPr>
+            <a:spLocks noGrp="1"/>
+          </p:cNvSpPr>
+          <p:nvPr>
+            <p:ph type="title"/>
+          </p:nvPr>
+        </p:nvSpPr>
+        <p:spPr>
+          <a:xfrm>
+            <a:off x="838200" y="313755"/>
+            <a:ext cx="10515600" cy="631467"/>
+          </a:xfrm>
+        </p:spPr>
+        <p:txBody>
+          <a:bodyPr>
+            <a:normAutofit/>
+          </a:bodyPr>
+          <a:lstStyle/>
+          <a:p>
+            <a:r>
+              <a:rPr lang="en-US" sz="2400" b="1" dirty="0">
+                <a:solidFill>
+                  <a:schemeClr val="accent5">
+                    <a:lumMod val="75000"/>
+                  </a:schemeClr>
+                </a:solidFill>
+              </a:rPr>
               <a:t>Wireless Mesh Network Architecture</a:t>
             </a:r>
             <a:endParaRPr lang="en-DE" sz="2400" b="1" dirty="0">
@@ -7193,7 +7548,7 @@
 </p:sld>
 </file>
 
-<file path=ppt/slides/slide3.xml><?xml version="1.0" encoding="utf-8"?>
+<file path=ppt/slides/slide4.xml><?xml version="1.0" encoding="utf-8"?>
 <p:sld xmlns:a="http://schemas.openxmlformats.org/drawingml/2006/main" xmlns:r="http://schemas.openxmlformats.org/officeDocument/2006/relationships" xmlns:p="http://schemas.openxmlformats.org/presentationml/2006/main">
   <p:cSld>
     <p:spTree>
@@ -7307,7 +7662,7 @@
 </p:sld>
 </file>
 
-<file path=ppt/slides/slide4.xml><?xml version="1.0" encoding="utf-8"?>
+<file path=ppt/slides/slide5.xml><?xml version="1.0" encoding="utf-8"?>
 <p:sld xmlns:a="http://schemas.openxmlformats.org/drawingml/2006/main" xmlns:r="http://schemas.openxmlformats.org/officeDocument/2006/relationships" xmlns:p="http://schemas.openxmlformats.org/presentationml/2006/main">
   <p:cSld>
     <p:spTree>
@@ -7421,7 +7776,7 @@
 </p:sld>
 </file>
 
-<file path=ppt/slides/slide5.xml><?xml version="1.0" encoding="utf-8"?>
+<file path=ppt/slides/slide6.xml><?xml version="1.0" encoding="utf-8"?>
 <p:sld xmlns:a="http://schemas.openxmlformats.org/drawingml/2006/main" xmlns:r="http://schemas.openxmlformats.org/officeDocument/2006/relationships" xmlns:p="http://schemas.openxmlformats.org/presentationml/2006/main">
   <p:cSld>
     <p:spTree>
@@ -7535,7 +7890,7 @@
 </p:sld>
 </file>
 
-<file path=ppt/slides/slide6.xml><?xml version="1.0" encoding="utf-8"?>
+<file path=ppt/slides/slide7.xml><?xml version="1.0" encoding="utf-8"?>
 <p:sld xmlns:a="http://schemas.openxmlformats.org/drawingml/2006/main" xmlns:r="http://schemas.openxmlformats.org/officeDocument/2006/relationships" xmlns:p="http://schemas.openxmlformats.org/presentationml/2006/main">
   <p:cSld>
     <p:spTree>
@@ -7649,7 +8004,7 @@
 </p:sld>
 </file>
 
-<file path=ppt/slides/slide7.xml><?xml version="1.0" encoding="utf-8"?>
+<file path=ppt/slides/slide8.xml><?xml version="1.0" encoding="utf-8"?>
 <p:sld xmlns:a="http://schemas.openxmlformats.org/drawingml/2006/main" xmlns:r="http://schemas.openxmlformats.org/officeDocument/2006/relationships" xmlns:p="http://schemas.openxmlformats.org/presentationml/2006/main">
   <p:cSld>
     <p:spTree>
@@ -7763,7 +8118,7 @@
 </p:sld>
 </file>
 
-<file path=ppt/slides/slide8.xml><?xml version="1.0" encoding="utf-8"?>
+<file path=ppt/slides/slide9.xml><?xml version="1.0" encoding="utf-8"?>
 <p:sld xmlns:a="http://schemas.openxmlformats.org/drawingml/2006/main" xmlns:r="http://schemas.openxmlformats.org/officeDocument/2006/relationships" xmlns:p="http://schemas.openxmlformats.org/presentationml/2006/main">
   <p:cSld>
     <p:spTree>
@@ -7868,120 +8223,6 @@
     <p:extLst>
       <p:ext uri="{BB962C8B-B14F-4D97-AF65-F5344CB8AC3E}">
         <p14:creationId xmlns:p14="http://schemas.microsoft.com/office/powerpoint/2010/main" val="2386877511"/>
-      </p:ext>
-    </p:extLst>
-  </p:cSld>
-  <p:clrMapOvr>
-    <a:masterClrMapping/>
-  </p:clrMapOvr>
-</p:sld>
-</file>
-
-<file path=ppt/slides/slide9.xml><?xml version="1.0" encoding="utf-8"?>
-<p:sld xmlns:a="http://schemas.openxmlformats.org/drawingml/2006/main" xmlns:r="http://schemas.openxmlformats.org/officeDocument/2006/relationships" xmlns:p="http://schemas.openxmlformats.org/presentationml/2006/main">
-  <p:cSld>
-    <p:spTree>
-      <p:nvGrpSpPr>
-        <p:cNvPr id="1" name=""/>
-        <p:cNvGrpSpPr/>
-        <p:nvPr/>
-      </p:nvGrpSpPr>
-      <p:grpSpPr>
-        <a:xfrm>
-          <a:off x="0" y="0"/>
-          <a:ext cx="0" cy="0"/>
-          <a:chOff x="0" y="0"/>
-          <a:chExt cx="0" cy="0"/>
-        </a:xfrm>
-      </p:grpSpPr>
-      <p:sp>
-        <p:nvSpPr>
-          <p:cNvPr id="2" name="Title 1">
-            <a:extLst>
-              <a:ext uri="{FF2B5EF4-FFF2-40B4-BE49-F238E27FC236}">
-                <a16:creationId xmlns:a16="http://schemas.microsoft.com/office/drawing/2014/main" id="{DA7E9757-9E36-42A7-B1DD-35ED3DF90830}"/>
-              </a:ext>
-            </a:extLst>
-          </p:cNvPr>
-          <p:cNvSpPr>
-            <a:spLocks noGrp="1"/>
-          </p:cNvSpPr>
-          <p:nvPr>
-            <p:ph type="title"/>
-          </p:nvPr>
-        </p:nvSpPr>
-        <p:spPr>
-          <a:xfrm>
-            <a:off x="838200" y="313755"/>
-            <a:ext cx="10515600" cy="631467"/>
-          </a:xfrm>
-        </p:spPr>
-        <p:txBody>
-          <a:bodyPr>
-            <a:normAutofit/>
-          </a:bodyPr>
-          <a:lstStyle/>
-          <a:p>
-            <a:r>
-              <a:rPr lang="en-US" sz="2400" b="1" dirty="0">
-                <a:solidFill>
-                  <a:schemeClr val="accent5">
-                    <a:lumMod val="75000"/>
-                  </a:schemeClr>
-                </a:solidFill>
-              </a:rPr>
-              <a:t>Messages &amp; Transactions : NS-Synchronize</a:t>
-            </a:r>
-            <a:endParaRPr lang="en-DE" sz="2400" b="1" dirty="0">
-              <a:solidFill>
-                <a:schemeClr val="accent5">
-                  <a:lumMod val="75000"/>
-                </a:schemeClr>
-              </a:solidFill>
-            </a:endParaRPr>
-          </a:p>
-        </p:txBody>
-      </p:sp>
-      <p:pic>
-        <p:nvPicPr>
-          <p:cNvPr id="5" name="Picture 4" descr="A screenshot of a cell phone&#10;&#10;Description automatically generated">
-            <a:extLst>
-              <a:ext uri="{FF2B5EF4-FFF2-40B4-BE49-F238E27FC236}">
-                <a16:creationId xmlns:a16="http://schemas.microsoft.com/office/drawing/2014/main" id="{A6AE844F-F5EE-481D-B097-CF1A8DE1BF68}"/>
-              </a:ext>
-            </a:extLst>
-          </p:cNvPr>
-          <p:cNvPicPr>
-            <a:picLocks noChangeAspect="1"/>
-          </p:cNvPicPr>
-          <p:nvPr/>
-        </p:nvPicPr>
-        <p:blipFill>
-          <a:blip r:embed="rId3">
-            <a:extLst>
-              <a:ext uri="{28A0092B-C50C-407E-A947-70E740481C1C}">
-                <a14:useLocalDpi xmlns:a14="http://schemas.microsoft.com/office/drawing/2010/main" val="0"/>
-              </a:ext>
-            </a:extLst>
-          </a:blip>
-          <a:stretch>
-            <a:fillRect/>
-          </a:stretch>
-        </p:blipFill>
-        <p:spPr>
-          <a:xfrm>
-            <a:off x="838199" y="1122879"/>
-            <a:ext cx="6996561" cy="4065569"/>
-          </a:xfrm>
-          <a:prstGeom prst="rect">
-            <a:avLst/>
-          </a:prstGeom>
-        </p:spPr>
-      </p:pic>
-    </p:spTree>
-    <p:extLst>
-      <p:ext uri="{BB962C8B-B14F-4D97-AF65-F5344CB8AC3E}">
-        <p14:creationId xmlns:p14="http://schemas.microsoft.com/office/powerpoint/2010/main" val="919128549"/>
       </p:ext>
     </p:extLst>
   </p:cSld>
